--- a/msp-content-1/msp01.pptx
+++ b/msp-content-1/msp01.pptx
@@ -227,7 +227,7 @@
           <a:p>
             <a:fld id="{30AC10BD-7C9E-46C5-9102-727B956F25FB}" type="datetimeFigureOut">
               <a:rPr lang="en-CA" smtClean="0"/>
-              <a:t>2020-02-13</a:t>
+              <a:t>2020-02-14</a:t>
             </a:fld>
             <a:endParaRPr lang="en-CA"/>
           </a:p>
@@ -404,7 +404,7 @@
           <a:p>
             <a:fld id="{94BCBCC3-AD1C-4EA0-BB3D-6AB5A798E5EC}" type="datetimeFigureOut">
               <a:rPr lang="en-CA" smtClean="0"/>
-              <a:t>2020-02-13</a:t>
+              <a:t>2020-02-14</a:t>
             </a:fld>
             <a:endParaRPr lang="en-CA"/>
           </a:p>
@@ -1549,6 +1549,351 @@
 </p:notes>
 </file>
 
+<file path=ppt/notesSlides/notesSlide4.xml><?xml version="1.0" encoding="utf-8"?>
+<p:notes xmlns:a="http://schemas.openxmlformats.org/drawingml/2006/main" xmlns:r="http://schemas.openxmlformats.org/officeDocument/2006/relationships" xmlns:p="http://schemas.openxmlformats.org/presentationml/2006/main">
+  <p:cSld>
+    <p:spTree>
+      <p:nvGrpSpPr>
+        <p:cNvPr id="1" name=""/>
+        <p:cNvGrpSpPr/>
+        <p:nvPr/>
+      </p:nvGrpSpPr>
+      <p:grpSpPr>
+        <a:xfrm>
+          <a:off x="0" y="0"/>
+          <a:ext cx="0" cy="0"/>
+          <a:chOff x="0" y="0"/>
+          <a:chExt cx="0" cy="0"/>
+        </a:xfrm>
+      </p:grpSpPr>
+      <p:sp>
+        <p:nvSpPr>
+          <p:cNvPr id="2" name="Slide Image Placeholder 1"/>
+          <p:cNvSpPr>
+            <a:spLocks noGrp="1" noRot="1" noChangeAspect="1"/>
+          </p:cNvSpPr>
+          <p:nvPr>
+            <p:ph type="sldImg"/>
+          </p:nvPr>
+        </p:nvSpPr>
+        <p:spPr/>
+      </p:sp>
+      <p:sp>
+        <p:nvSpPr>
+          <p:cNvPr id="3" name="Notes Placeholder 2"/>
+          <p:cNvSpPr>
+            <a:spLocks noGrp="1"/>
+          </p:cNvSpPr>
+          <p:nvPr>
+            <p:ph type="body" idx="1"/>
+          </p:nvPr>
+        </p:nvSpPr>
+        <p:spPr/>
+        <p:txBody>
+          <a:bodyPr/>
+          <a:lstStyle/>
+          <a:p>
+            <a:r>
+              <a:rPr lang="en-CA" dirty="0"/>
+              <a:t>Open the CLI. We will need to have the Azure CLI installed on our local machine.</a:t>
+            </a:r>
+          </a:p>
+          <a:p>
+            <a:endParaRPr lang="en-CA" dirty="0"/>
+          </a:p>
+          <a:p>
+            <a:r>
+              <a:rPr lang="en-CA" dirty="0"/>
+              <a:t>If the code has been pushed in a public github repository, it is also possible to do the operation from the Azure Cloud Shell.</a:t>
+            </a:r>
+          </a:p>
+          <a:p>
+            <a:endParaRPr lang="en-CA" dirty="0"/>
+          </a:p>
+          <a:p>
+            <a:r>
+              <a:rPr lang="en-CA" dirty="0"/>
+              <a:t>FROM LOCAL CLI:</a:t>
+            </a:r>
+          </a:p>
+          <a:p>
+            <a:endParaRPr lang="en-CA" dirty="0"/>
+          </a:p>
+          <a:p>
+            <a:r>
+              <a:rPr lang="en-CA" dirty="0"/>
+              <a:t>Make sure to run `</a:t>
+            </a:r>
+            <a:r>
+              <a:rPr lang="en-CA" dirty="0" err="1"/>
+              <a:t>az</a:t>
+            </a:r>
+            <a:r>
+              <a:rPr lang="en-CA" dirty="0"/>
+              <a:t> login` and to authenticate with your account.</a:t>
+            </a:r>
+          </a:p>
+          <a:p>
+            <a:endParaRPr lang="en-CA" dirty="0"/>
+          </a:p>
+          <a:p>
+            <a:r>
+              <a:rPr lang="en-CA" dirty="0"/>
+              <a:t>Make to `cd` into the directory where the `</a:t>
+            </a:r>
+            <a:r>
+              <a:rPr lang="en-CA" dirty="0" err="1"/>
+              <a:t>package.json</a:t>
+            </a:r>
+            <a:r>
+              <a:rPr lang="en-CA" dirty="0"/>
+              <a:t>` is located.</a:t>
+            </a:r>
+          </a:p>
+          <a:p>
+            <a:endParaRPr lang="en-CA" dirty="0"/>
+          </a:p>
+          <a:p>
+            <a:r>
+              <a:rPr lang="en-CA" dirty="0"/>
+              <a:t>You can then run the command `</a:t>
+            </a:r>
+            <a:r>
+              <a:rPr lang="en-CA" dirty="0" err="1"/>
+              <a:t>az</a:t>
+            </a:r>
+            <a:r>
+              <a:rPr lang="en-CA" dirty="0"/>
+              <a:t> </a:t>
+            </a:r>
+            <a:r>
+              <a:rPr lang="en-CA" dirty="0" err="1"/>
+              <a:t>webapp</a:t>
+            </a:r>
+            <a:r>
+              <a:rPr lang="en-CA" dirty="0"/>
+              <a:t> up -n MYAPP -l </a:t>
+            </a:r>
+            <a:r>
+              <a:rPr lang="en-CA" dirty="0" err="1"/>
+              <a:t>eastus</a:t>
+            </a:r>
+            <a:r>
+              <a:rPr lang="en-CA" dirty="0"/>
+              <a:t>` where you replace `MYAPP` for something unique. `</a:t>
+            </a:r>
+            <a:r>
+              <a:rPr lang="en-CA" dirty="0" err="1"/>
+              <a:t>eastus</a:t>
+            </a:r>
+            <a:r>
+              <a:rPr lang="en-CA" dirty="0"/>
+              <a:t>` can also be a region close to you.</a:t>
+            </a:r>
+          </a:p>
+          <a:p>
+            <a:endParaRPr lang="en-CA" dirty="0"/>
+          </a:p>
+          <a:p>
+            <a:r>
+              <a:rPr lang="en-CA" dirty="0"/>
+              <a:t>This command will created the 3 basic components required to run an application on Azure.</a:t>
+            </a:r>
+          </a:p>
+          <a:p>
+            <a:pPr marL="228600" indent="-228600">
+              <a:buAutoNum type="arabicPeriod"/>
+            </a:pPr>
+            <a:r>
+              <a:rPr lang="en-CA" dirty="0"/>
+              <a:t>A resource group to put those resources together</a:t>
+            </a:r>
+          </a:p>
+          <a:p>
+            <a:pPr marL="228600" indent="-228600">
+              <a:buAutoNum type="arabicPeriod"/>
+            </a:pPr>
+            <a:r>
+              <a:rPr lang="en-CA" dirty="0"/>
+              <a:t>An </a:t>
+            </a:r>
+            <a:r>
+              <a:rPr lang="en-CA" dirty="0" err="1"/>
+              <a:t>AppServicePlan</a:t>
+            </a:r>
+            <a:r>
+              <a:rPr lang="en-CA" dirty="0"/>
+              <a:t> which represent the reserved resources that will be used to host your app</a:t>
+            </a:r>
+          </a:p>
+          <a:p>
+            <a:pPr marL="228600" indent="-228600">
+              <a:buAutoNum type="arabicPeriod"/>
+            </a:pPr>
+            <a:r>
+              <a:rPr lang="en-CA" dirty="0"/>
+              <a:t>An AppService which represent the your application running on the previous plan.</a:t>
+            </a:r>
+          </a:p>
+          <a:p>
+            <a:pPr marL="228600" indent="-228600">
+              <a:buAutoNum type="arabicPeriod"/>
+            </a:pPr>
+            <a:endParaRPr lang="en-CA" dirty="0"/>
+          </a:p>
+          <a:p>
+            <a:pPr marL="228600" indent="-228600">
+              <a:buAutoNum type="arabicPeriod"/>
+            </a:pPr>
+            <a:endParaRPr lang="en-CA" dirty="0"/>
+          </a:p>
+          <a:p>
+            <a:pPr marL="0" indent="0">
+              <a:buNone/>
+            </a:pPr>
+            <a:r>
+              <a:rPr lang="en-CA" dirty="0"/>
+              <a:t>Once everything is deployed, open up https://MYAPP.azurewebsites.net/ .</a:t>
+            </a:r>
+          </a:p>
+          <a:p>
+            <a:pPr marL="0" indent="0">
+              <a:buNone/>
+            </a:pPr>
+            <a:endParaRPr lang="en-CA" dirty="0"/>
+          </a:p>
+          <a:p>
+            <a:pPr marL="0" indent="0">
+              <a:buNone/>
+            </a:pPr>
+            <a:r>
+              <a:rPr lang="en-CA" dirty="0"/>
+              <a:t>You should see “Express / Welcome to Express” message that is the default for newly created Express application.</a:t>
+            </a:r>
+          </a:p>
+          <a:p>
+            <a:pPr marL="0" indent="0">
+              <a:buNone/>
+            </a:pPr>
+            <a:endParaRPr lang="en-CA" dirty="0"/>
+          </a:p>
+          <a:p>
+            <a:pPr marL="0" indent="0">
+              <a:buNone/>
+            </a:pPr>
+            <a:r>
+              <a:rPr lang="en-CA" dirty="0"/>
+              <a:t>Now, let’s go back to Azure Portal (portal.azure.com) to see what was created. </a:t>
+            </a:r>
+          </a:p>
+          <a:p>
+            <a:pPr marL="0" indent="0">
+              <a:buNone/>
+            </a:pPr>
+            <a:r>
+              <a:rPr lang="en-CA" dirty="0"/>
+              <a:t>In the search bar look for MYAPP and click on it. You are taken to an AppService where your application is at. You can click on the URL to open up the app, the </a:t>
+            </a:r>
+            <a:r>
+              <a:rPr lang="en-CA" dirty="0" err="1"/>
+              <a:t>AppServicePlan</a:t>
+            </a:r>
+            <a:r>
+              <a:rPr lang="en-CA" dirty="0"/>
+              <a:t> to inspect the reserved resources.</a:t>
+            </a:r>
+          </a:p>
+          <a:p>
+            <a:pPr marL="0" indent="0">
+              <a:buNone/>
+            </a:pPr>
+            <a:endParaRPr lang="en-CA" dirty="0"/>
+          </a:p>
+          <a:p>
+            <a:pPr marL="0" indent="0">
+              <a:buNone/>
+            </a:pPr>
+            <a:r>
+              <a:rPr lang="en-CA" dirty="0"/>
+              <a:t>Things that are important to go over:</a:t>
+            </a:r>
+          </a:p>
+          <a:p>
+            <a:pPr marL="0" indent="0">
+              <a:buNone/>
+            </a:pPr>
+            <a:endParaRPr lang="en-CA" dirty="0"/>
+          </a:p>
+          <a:p>
+            <a:pPr marL="228600" indent="-228600">
+              <a:buAutoNum type="arabicPeriod"/>
+            </a:pPr>
+            <a:r>
+              <a:rPr lang="en-CA" dirty="0"/>
+              <a:t>Configuration -&gt; this is where you set environment variable for your deployed app only. If an app require specific configurations, they should be located there. Within Configuration, under the “General settings”, you can change your tech stack, platform settings, etc.</a:t>
+            </a:r>
+          </a:p>
+          <a:p>
+            <a:pPr marL="228600" indent="-228600">
+              <a:buAutoNum type="arabicPeriod"/>
+            </a:pPr>
+            <a:r>
+              <a:rPr lang="en-CA" dirty="0"/>
+              <a:t>Scale up -&gt; this allows you to change the pricing tier of your app service. Important if you don’t want to spend too much</a:t>
+            </a:r>
+          </a:p>
+          <a:p>
+            <a:pPr marL="228600" indent="-228600">
+              <a:buAutoNum type="arabicPeriod"/>
+            </a:pPr>
+            <a:r>
+              <a:rPr lang="en-CA" dirty="0"/>
+              <a:t>Development Tools | SSH -&gt; Allows you to get a CLI at the root of your deployed application within the </a:t>
+            </a:r>
+            <a:r>
+              <a:rPr lang="en-CA"/>
+              <a:t>reserved compute</a:t>
+            </a:r>
+            <a:endParaRPr lang="en-CA" dirty="0"/>
+          </a:p>
+        </p:txBody>
+      </p:sp>
+      <p:sp>
+        <p:nvSpPr>
+          <p:cNvPr id="4" name="Slide Number Placeholder 3"/>
+          <p:cNvSpPr>
+            <a:spLocks noGrp="1"/>
+          </p:cNvSpPr>
+          <p:nvPr>
+            <p:ph type="sldNum" sz="quarter" idx="5"/>
+          </p:nvPr>
+        </p:nvSpPr>
+        <p:spPr/>
+        <p:txBody>
+          <a:bodyPr/>
+          <a:lstStyle/>
+          <a:p>
+            <a:fld id="{607C8F81-2597-4D16-8D5F-FBEA10BC3950}" type="slidenum">
+              <a:rPr lang="en-CA" smtClean="0"/>
+              <a:t>13</a:t>
+            </a:fld>
+            <a:endParaRPr lang="en-CA"/>
+          </a:p>
+        </p:txBody>
+      </p:sp>
+    </p:spTree>
+    <p:extLst>
+      <p:ext uri="{BB962C8B-B14F-4D97-AF65-F5344CB8AC3E}">
+        <p14:creationId xmlns:p14="http://schemas.microsoft.com/office/powerpoint/2010/main" val="1968122030"/>
+      </p:ext>
+    </p:extLst>
+  </p:cSld>
+  <p:clrMapOvr>
+    <a:masterClrMapping/>
+  </p:clrMapOvr>
+</p:notes>
+</file>
+
 <file path=ppt/slideLayouts/slideLayout1.xml><?xml version="1.0" encoding="utf-8"?>
 <p:sldLayout xmlns:a="http://schemas.openxmlformats.org/drawingml/2006/main" xmlns:r="http://schemas.openxmlformats.org/officeDocument/2006/relationships" xmlns:p="http://schemas.openxmlformats.org/presentationml/2006/main" type="title" preserve="1">
   <p:cSld name="Title Slide">
@@ -1697,7 +2042,7 @@
           <a:p>
             <a:fld id="{1091BDF2-65DB-43D2-9A99-05268E2F156E}" type="datetimeFigureOut">
               <a:rPr lang="en-CA" smtClean="0"/>
-              <a:t>2020-02-13</a:t>
+              <a:t>2020-02-14</a:t>
             </a:fld>
             <a:endParaRPr lang="en-CA"/>
           </a:p>
@@ -1897,7 +2242,7 @@
           <a:p>
             <a:fld id="{1091BDF2-65DB-43D2-9A99-05268E2F156E}" type="datetimeFigureOut">
               <a:rPr lang="en-CA" smtClean="0"/>
-              <a:t>2020-02-13</a:t>
+              <a:t>2020-02-14</a:t>
             </a:fld>
             <a:endParaRPr lang="en-CA"/>
           </a:p>
@@ -2107,7 +2452,7 @@
           <a:p>
             <a:fld id="{1091BDF2-65DB-43D2-9A99-05268E2F156E}" type="datetimeFigureOut">
               <a:rPr lang="en-CA" smtClean="0"/>
-              <a:t>2020-02-13</a:t>
+              <a:t>2020-02-14</a:t>
             </a:fld>
             <a:endParaRPr lang="en-CA"/>
           </a:p>
@@ -2307,7 +2652,7 @@
           <a:p>
             <a:fld id="{1091BDF2-65DB-43D2-9A99-05268E2F156E}" type="datetimeFigureOut">
               <a:rPr lang="en-CA" smtClean="0"/>
-              <a:t>2020-02-13</a:t>
+              <a:t>2020-02-14</a:t>
             </a:fld>
             <a:endParaRPr lang="en-CA"/>
           </a:p>
@@ -2583,7 +2928,7 @@
           <a:p>
             <a:fld id="{1091BDF2-65DB-43D2-9A99-05268E2F156E}" type="datetimeFigureOut">
               <a:rPr lang="en-CA" smtClean="0"/>
-              <a:t>2020-02-13</a:t>
+              <a:t>2020-02-14</a:t>
             </a:fld>
             <a:endParaRPr lang="en-CA"/>
           </a:p>
@@ -2851,7 +3196,7 @@
           <a:p>
             <a:fld id="{1091BDF2-65DB-43D2-9A99-05268E2F156E}" type="datetimeFigureOut">
               <a:rPr lang="en-CA" smtClean="0"/>
-              <a:t>2020-02-13</a:t>
+              <a:t>2020-02-14</a:t>
             </a:fld>
             <a:endParaRPr lang="en-CA"/>
           </a:p>
@@ -3266,7 +3611,7 @@
           <a:p>
             <a:fld id="{1091BDF2-65DB-43D2-9A99-05268E2F156E}" type="datetimeFigureOut">
               <a:rPr lang="en-CA" smtClean="0"/>
-              <a:t>2020-02-13</a:t>
+              <a:t>2020-02-14</a:t>
             </a:fld>
             <a:endParaRPr lang="en-CA"/>
           </a:p>
@@ -3408,7 +3753,7 @@
           <a:p>
             <a:fld id="{1091BDF2-65DB-43D2-9A99-05268E2F156E}" type="datetimeFigureOut">
               <a:rPr lang="en-CA" smtClean="0"/>
-              <a:t>2020-02-13</a:t>
+              <a:t>2020-02-14</a:t>
             </a:fld>
             <a:endParaRPr lang="en-CA"/>
           </a:p>
@@ -3521,7 +3866,7 @@
           <a:p>
             <a:fld id="{1091BDF2-65DB-43D2-9A99-05268E2F156E}" type="datetimeFigureOut">
               <a:rPr lang="en-CA" smtClean="0"/>
-              <a:t>2020-02-13</a:t>
+              <a:t>2020-02-14</a:t>
             </a:fld>
             <a:endParaRPr lang="en-CA"/>
           </a:p>
@@ -3834,7 +4179,7 @@
           <a:p>
             <a:fld id="{1091BDF2-65DB-43D2-9A99-05268E2F156E}" type="datetimeFigureOut">
               <a:rPr lang="en-CA" smtClean="0"/>
-              <a:t>2020-02-13</a:t>
+              <a:t>2020-02-14</a:t>
             </a:fld>
             <a:endParaRPr lang="en-CA"/>
           </a:p>
@@ -4123,7 +4468,7 @@
           <a:p>
             <a:fld id="{1091BDF2-65DB-43D2-9A99-05268E2F156E}" type="datetimeFigureOut">
               <a:rPr lang="en-CA" smtClean="0"/>
-              <a:t>2020-02-13</a:t>
+              <a:t>2020-02-14</a:t>
             </a:fld>
             <a:endParaRPr lang="en-CA"/>
           </a:p>
@@ -4366,7 +4711,7 @@
           <a:p>
             <a:fld id="{1091BDF2-65DB-43D2-9A99-05268E2F156E}" type="datetimeFigureOut">
               <a:rPr lang="en-CA" smtClean="0"/>
-              <a:t>2020-02-13</a:t>
+              <a:t>2020-02-14</a:t>
             </a:fld>
             <a:endParaRPr lang="en-CA"/>
           </a:p>
